--- a/Final ML Trading presentation– Sem 2.pptx
+++ b/Final ML Trading presentation– Sem 2.pptx
@@ -124,7 +124,7 @@
 <file path=ppt/revisionInfo.xml><?xml version="1.0" encoding="utf-8"?>
 <p1510:revInfo xmlns:a="http://schemas.openxmlformats.org/drawingml/2006/main" xmlns:r="http://schemas.openxmlformats.org/officeDocument/2006/relationships" xmlns:p1510="http://schemas.microsoft.com/office/powerpoint/2015/10/main">
   <p1510:revLst>
-    <p1510:client id="{64207DCA-949F-4E54-835E-3FB6229402D4}" v="17" dt="2022-10-04T10:56:45.120"/>
+    <p1510:client id="{64207DCA-949F-4E54-835E-3FB6229402D4}" v="22" dt="2022-10-04T11:31:35.428"/>
   </p1510:revLst>
 </p1510:revInfo>
 </file>
@@ -134,7 +134,7 @@
   <pc:docChgLst>
     <pc:chgData name="Wai" userId="debf67db-a1f1-4015-a973-18e47c993b52" providerId="ADAL" clId="{64207DCA-949F-4E54-835E-3FB6229402D4}"/>
     <pc:docChg chg="undo custSel addSld delSld modSld">
-      <pc:chgData name="Wai" userId="debf67db-a1f1-4015-a973-18e47c993b52" providerId="ADAL" clId="{64207DCA-949F-4E54-835E-3FB6229402D4}" dt="2022-10-04T10:57:33.443" v="418" actId="20577"/>
+      <pc:chgData name="Wai" userId="debf67db-a1f1-4015-a973-18e47c993b52" providerId="ADAL" clId="{64207DCA-949F-4E54-835E-3FB6229402D4}" dt="2022-10-04T11:36:35.280" v="460" actId="1076"/>
       <pc:docMkLst>
         <pc:docMk/>
       </pc:docMkLst>
@@ -234,7 +234,7 @@
         </pc:spChg>
       </pc:sldChg>
       <pc:sldChg chg="addSp delSp modSp mod">
-        <pc:chgData name="Wai" userId="debf67db-a1f1-4015-a973-18e47c993b52" providerId="ADAL" clId="{64207DCA-949F-4E54-835E-3FB6229402D4}" dt="2022-10-04T10:57:33.443" v="418" actId="20577"/>
+        <pc:chgData name="Wai" userId="debf67db-a1f1-4015-a973-18e47c993b52" providerId="ADAL" clId="{64207DCA-949F-4E54-835E-3FB6229402D4}" dt="2022-10-04T11:27:30.875" v="438" actId="1076"/>
         <pc:sldMkLst>
           <pc:docMk/>
           <pc:sldMk cId="2447364906" sldId="274"/>
@@ -256,6 +256,14 @@
           </ac:picMkLst>
         </pc:picChg>
         <pc:picChg chg="add del mod">
+          <ac:chgData name="Wai" userId="debf67db-a1f1-4015-a973-18e47c993b52" providerId="ADAL" clId="{64207DCA-949F-4E54-835E-3FB6229402D4}" dt="2022-10-04T11:27:26.347" v="435" actId="478"/>
+          <ac:picMkLst>
+            <pc:docMk/>
+            <pc:sldMk cId="2447364906" sldId="274"/>
+            <ac:picMk id="3" creationId="{D2122AB4-ED33-A362-13AD-C9110ECE54FE}"/>
+          </ac:picMkLst>
+        </pc:picChg>
+        <pc:picChg chg="add del mod">
           <ac:chgData name="Wai" userId="debf67db-a1f1-4015-a973-18e47c993b52" providerId="ADAL" clId="{64207DCA-949F-4E54-835E-3FB6229402D4}" dt="2022-10-04T02:33:20.022" v="8" actId="931"/>
           <ac:picMkLst>
             <pc:docMk/>
@@ -269,6 +277,14 @@
             <pc:docMk/>
             <pc:sldMk cId="2447364906" sldId="274"/>
             <ac:picMk id="4" creationId="{569505FB-72B2-A1D5-BBA0-B252743D48DE}"/>
+          </ac:picMkLst>
+        </pc:picChg>
+        <pc:picChg chg="add mod">
+          <ac:chgData name="Wai" userId="debf67db-a1f1-4015-a973-18e47c993b52" providerId="ADAL" clId="{64207DCA-949F-4E54-835E-3FB6229402D4}" dt="2022-10-04T11:27:30.875" v="438" actId="1076"/>
+          <ac:picMkLst>
+            <pc:docMk/>
+            <pc:sldMk cId="2447364906" sldId="274"/>
+            <ac:picMk id="5" creationId="{C446E9AE-C558-5EA2-365B-E3604B9E719A}"/>
           </ac:picMkLst>
         </pc:picChg>
         <pc:picChg chg="add del mod">
@@ -319,8 +335,8 @@
             <ac:picMk id="11" creationId="{210C10D6-B809-2C9E-E685-388330157865}"/>
           </ac:picMkLst>
         </pc:picChg>
-        <pc:picChg chg="add mod">
-          <ac:chgData name="Wai" userId="debf67db-a1f1-4015-a973-18e47c993b52" providerId="ADAL" clId="{64207DCA-949F-4E54-835E-3FB6229402D4}" dt="2022-10-04T10:56:52.677" v="402" actId="1076"/>
+        <pc:picChg chg="add del mod">
+          <ac:chgData name="Wai" userId="debf67db-a1f1-4015-a973-18e47c993b52" providerId="ADAL" clId="{64207DCA-949F-4E54-835E-3FB6229402D4}" dt="2022-10-04T11:19:48.560" v="419" actId="478"/>
           <ac:picMkLst>
             <pc:docMk/>
             <pc:sldMk cId="2447364906" sldId="274"/>
@@ -462,13 +478,13 @@
         </pc:picChg>
       </pc:sldChg>
       <pc:sldChg chg="addSp delSp modSp add mod">
-        <pc:chgData name="Wai" userId="debf67db-a1f1-4015-a973-18e47c993b52" providerId="ADAL" clId="{64207DCA-949F-4E54-835E-3FB6229402D4}" dt="2022-10-04T10:57:12.757" v="406" actId="1076"/>
+        <pc:chgData name="Wai" userId="debf67db-a1f1-4015-a973-18e47c993b52" providerId="ADAL" clId="{64207DCA-949F-4E54-835E-3FB6229402D4}" dt="2022-10-04T11:36:35.280" v="460" actId="1076"/>
         <pc:sldMkLst>
           <pc:docMk/>
           <pc:sldMk cId="908820380" sldId="280"/>
         </pc:sldMkLst>
-        <pc:picChg chg="add mod">
-          <ac:chgData name="Wai" userId="debf67db-a1f1-4015-a973-18e47c993b52" providerId="ADAL" clId="{64207DCA-949F-4E54-835E-3FB6229402D4}" dt="2022-10-04T10:57:11.132" v="405" actId="1076"/>
+        <pc:picChg chg="add del mod">
+          <ac:chgData name="Wai" userId="debf67db-a1f1-4015-a973-18e47c993b52" providerId="ADAL" clId="{64207DCA-949F-4E54-835E-3FB6229402D4}" dt="2022-10-04T11:29:15.545" v="439" actId="478"/>
           <ac:picMkLst>
             <pc:docMk/>
             <pc:sldMk cId="908820380" sldId="280"/>
@@ -483,12 +499,28 @@
             <ac:picMk id="3" creationId="{5CA05D07-FE69-ED52-1F5D-8C716411FD4B}"/>
           </ac:picMkLst>
         </pc:picChg>
-        <pc:picChg chg="add mod">
-          <ac:chgData name="Wai" userId="debf67db-a1f1-4015-a973-18e47c993b52" providerId="ADAL" clId="{64207DCA-949F-4E54-835E-3FB6229402D4}" dt="2022-10-04T10:57:12.757" v="406" actId="1076"/>
+        <pc:picChg chg="add del mod">
+          <ac:chgData name="Wai" userId="debf67db-a1f1-4015-a973-18e47c993b52" providerId="ADAL" clId="{64207DCA-949F-4E54-835E-3FB6229402D4}" dt="2022-10-04T11:25:42.974" v="426" actId="478"/>
           <ac:picMkLst>
             <pc:docMk/>
             <pc:sldMk cId="908820380" sldId="280"/>
             <ac:picMk id="4" creationId="{D09AE16F-1823-ED0C-88C8-A89D18837DFF}"/>
+          </ac:picMkLst>
+        </pc:picChg>
+        <pc:picChg chg="add mod">
+          <ac:chgData name="Wai" userId="debf67db-a1f1-4015-a973-18e47c993b52" providerId="ADAL" clId="{64207DCA-949F-4E54-835E-3FB6229402D4}" dt="2022-10-04T11:36:33.387" v="459" actId="1076"/>
+          <ac:picMkLst>
+            <pc:docMk/>
+            <pc:sldMk cId="908820380" sldId="280"/>
+            <ac:picMk id="5" creationId="{AF280348-D321-F501-8EB5-82CA7B9D3E25}"/>
+          </ac:picMkLst>
+        </pc:picChg>
+        <pc:picChg chg="add del mod">
+          <ac:chgData name="Wai" userId="debf67db-a1f1-4015-a973-18e47c993b52" providerId="ADAL" clId="{64207DCA-949F-4E54-835E-3FB6229402D4}" dt="2022-10-04T11:31:37.552" v="448" actId="478"/>
+          <ac:picMkLst>
+            <pc:docMk/>
+            <pc:sldMk cId="908820380" sldId="280"/>
+            <ac:picMk id="7" creationId="{B2FD87A8-5D8A-82ED-B5FE-13EA91C6C558}"/>
           </ac:picMkLst>
         </pc:picChg>
         <pc:picChg chg="del">
@@ -497,6 +529,14 @@
             <pc:docMk/>
             <pc:sldMk cId="908820380" sldId="280"/>
             <ac:picMk id="8" creationId="{69C76093-BB67-3078-3C17-2523E8718293}"/>
+          </ac:picMkLst>
+        </pc:picChg>
+        <pc:picChg chg="add mod">
+          <ac:chgData name="Wai" userId="debf67db-a1f1-4015-a973-18e47c993b52" providerId="ADAL" clId="{64207DCA-949F-4E54-835E-3FB6229402D4}" dt="2022-10-04T11:36:35.280" v="460" actId="1076"/>
+          <ac:picMkLst>
+            <pc:docMk/>
+            <pc:sldMk cId="908820380" sldId="280"/>
+            <ac:picMk id="9" creationId="{52F6F7A8-5C7A-BE20-B787-A78F371163E1}"/>
           </ac:picMkLst>
         </pc:picChg>
       </pc:sldChg>
@@ -6138,10 +6178,10 @@
       </p:sp>
       <p:pic>
         <p:nvPicPr>
-          <p:cNvPr id="13" name="Picture 12" descr="Chart, scatter chart, bubble chart&#10;&#10;Description automatically generated">
-            <a:extLst>
-              <a:ext uri="{FF2B5EF4-FFF2-40B4-BE49-F238E27FC236}">
-                <a16:creationId xmlns:a16="http://schemas.microsoft.com/office/drawing/2014/main" id="{FA9BB97F-D214-7BE7-352C-09668564DA7E}"/>
+          <p:cNvPr id="5" name="Picture 4" descr="Chart, bubble chart&#10;&#10;Description automatically generated">
+            <a:extLst>
+              <a:ext uri="{FF2B5EF4-FFF2-40B4-BE49-F238E27FC236}">
+                <a16:creationId xmlns:a16="http://schemas.microsoft.com/office/drawing/2014/main" id="{C446E9AE-C558-5EA2-365B-E3604B9E719A}"/>
               </a:ext>
             </a:extLst>
           </p:cNvPr>
@@ -6164,8 +6204,8 @@
         </p:blipFill>
         <p:spPr>
           <a:xfrm>
-            <a:off x="4132220" y="1398065"/>
-            <a:ext cx="6413640" cy="4810230"/>
+            <a:off x="4033514" y="961279"/>
+            <a:ext cx="6954668" cy="5216001"/>
           </a:xfrm>
           <a:prstGeom prst="rect">
             <a:avLst/>
@@ -6378,10 +6418,10 @@
       </p:sp>
       <p:pic>
         <p:nvPicPr>
-          <p:cNvPr id="2" name="Picture 1" descr="Chart, line chart&#10;&#10;Description automatically generated">
-            <a:extLst>
-              <a:ext uri="{FF2B5EF4-FFF2-40B4-BE49-F238E27FC236}">
-                <a16:creationId xmlns:a16="http://schemas.microsoft.com/office/drawing/2014/main" id="{31ECAF3F-1E04-DFEC-5FAF-39C8926E41DE}"/>
+          <p:cNvPr id="5" name="Picture 4" descr="Chart, histogram&#10;&#10;Description automatically generated">
+            <a:extLst>
+              <a:ext uri="{FF2B5EF4-FFF2-40B4-BE49-F238E27FC236}">
+                <a16:creationId xmlns:a16="http://schemas.microsoft.com/office/drawing/2014/main" id="{AF280348-D321-F501-8EB5-82CA7B9D3E25}"/>
               </a:ext>
             </a:extLst>
           </p:cNvPr>
@@ -6404,8 +6444,8 @@
         </p:blipFill>
         <p:spPr>
           <a:xfrm>
-            <a:off x="5139884" y="3676850"/>
-            <a:ext cx="4145278" cy="3108959"/>
+            <a:off x="3555778" y="1665427"/>
+            <a:ext cx="4229550" cy="3172163"/>
           </a:xfrm>
           <a:prstGeom prst="rect">
             <a:avLst/>
@@ -6414,10 +6454,10 @@
       </p:pic>
       <p:pic>
         <p:nvPicPr>
-          <p:cNvPr id="4" name="Picture 3" descr="Chart, histogram&#10;&#10;Description automatically generated">
-            <a:extLst>
-              <a:ext uri="{FF2B5EF4-FFF2-40B4-BE49-F238E27FC236}">
-                <a16:creationId xmlns:a16="http://schemas.microsoft.com/office/drawing/2014/main" id="{D09AE16F-1823-ED0C-88C8-A89D18837DFF}"/>
+          <p:cNvPr id="9" name="Picture 8" descr="Chart, line chart&#10;&#10;Description automatically generated">
+            <a:extLst>
+              <a:ext uri="{FF2B5EF4-FFF2-40B4-BE49-F238E27FC236}">
+                <a16:creationId xmlns:a16="http://schemas.microsoft.com/office/drawing/2014/main" id="{52F6F7A8-5C7A-BE20-B787-A78F371163E1}"/>
               </a:ext>
             </a:extLst>
           </p:cNvPr>
@@ -6440,8 +6480,8 @@
         </p:blipFill>
         <p:spPr>
           <a:xfrm>
-            <a:off x="5218384" y="320041"/>
-            <a:ext cx="4145278" cy="3108959"/>
+            <a:off x="7852820" y="1665427"/>
+            <a:ext cx="4288604" cy="3216453"/>
           </a:xfrm>
           <a:prstGeom prst="rect">
             <a:avLst/>

--- a/Final ML Trading presentation– Sem 2.pptx
+++ b/Final ML Trading presentation– Sem 2.pptx
@@ -124,7 +124,7 @@
 <file path=ppt/revisionInfo.xml><?xml version="1.0" encoding="utf-8"?>
 <p1510:revInfo xmlns:a="http://schemas.openxmlformats.org/drawingml/2006/main" xmlns:r="http://schemas.openxmlformats.org/officeDocument/2006/relationships" xmlns:p1510="http://schemas.microsoft.com/office/powerpoint/2015/10/main">
   <p1510:revLst>
-    <p1510:client id="{64207DCA-949F-4E54-835E-3FB6229402D4}" v="22" dt="2022-10-04T11:31:35.428"/>
+    <p1510:client id="{64207DCA-949F-4E54-835E-3FB6229402D4}" v="25" dt="2022-10-04T12:39:47.291"/>
   </p1510:revLst>
 </p1510:revInfo>
 </file>
@@ -134,7 +134,7 @@
   <pc:docChgLst>
     <pc:chgData name="Wai" userId="debf67db-a1f1-4015-a973-18e47c993b52" providerId="ADAL" clId="{64207DCA-949F-4E54-835E-3FB6229402D4}"/>
     <pc:docChg chg="undo custSel addSld delSld modSld">
-      <pc:chgData name="Wai" userId="debf67db-a1f1-4015-a973-18e47c993b52" providerId="ADAL" clId="{64207DCA-949F-4E54-835E-3FB6229402D4}" dt="2022-10-04T11:36:35.280" v="460" actId="1076"/>
+      <pc:chgData name="Wai" userId="debf67db-a1f1-4015-a973-18e47c993b52" providerId="ADAL" clId="{64207DCA-949F-4E54-835E-3FB6229402D4}" dt="2022-10-04T12:40:17.889" v="501" actId="14100"/>
       <pc:docMkLst>
         <pc:docMk/>
       </pc:docMkLst>
@@ -478,7 +478,7 @@
         </pc:picChg>
       </pc:sldChg>
       <pc:sldChg chg="addSp delSp modSp add mod">
-        <pc:chgData name="Wai" userId="debf67db-a1f1-4015-a973-18e47c993b52" providerId="ADAL" clId="{64207DCA-949F-4E54-835E-3FB6229402D4}" dt="2022-10-04T11:36:35.280" v="460" actId="1076"/>
+        <pc:chgData name="Wai" userId="debf67db-a1f1-4015-a973-18e47c993b52" providerId="ADAL" clId="{64207DCA-949F-4E54-835E-3FB6229402D4}" dt="2022-10-04T12:40:17.889" v="501" actId="14100"/>
         <pc:sldMkLst>
           <pc:docMk/>
           <pc:sldMk cId="908820380" sldId="280"/>
@@ -500,6 +500,14 @@
           </ac:picMkLst>
         </pc:picChg>
         <pc:picChg chg="add del mod">
+          <ac:chgData name="Wai" userId="debf67db-a1f1-4015-a973-18e47c993b52" providerId="ADAL" clId="{64207DCA-949F-4E54-835E-3FB6229402D4}" dt="2022-10-04T12:33:32.229" v="472" actId="478"/>
+          <ac:picMkLst>
+            <pc:docMk/>
+            <pc:sldMk cId="908820380" sldId="280"/>
+            <ac:picMk id="3" creationId="{A2871F03-C0AA-C040-A765-918038188784}"/>
+          </ac:picMkLst>
+        </pc:picChg>
+        <pc:picChg chg="add del mod">
           <ac:chgData name="Wai" userId="debf67db-a1f1-4015-a973-18e47c993b52" providerId="ADAL" clId="{64207DCA-949F-4E54-835E-3FB6229402D4}" dt="2022-10-04T11:25:42.974" v="426" actId="478"/>
           <ac:picMkLst>
             <pc:docMk/>
@@ -507,12 +515,20 @@
             <ac:picMk id="4" creationId="{D09AE16F-1823-ED0C-88C8-A89D18837DFF}"/>
           </ac:picMkLst>
         </pc:picChg>
-        <pc:picChg chg="add mod">
-          <ac:chgData name="Wai" userId="debf67db-a1f1-4015-a973-18e47c993b52" providerId="ADAL" clId="{64207DCA-949F-4E54-835E-3FB6229402D4}" dt="2022-10-04T11:36:33.387" v="459" actId="1076"/>
+        <pc:picChg chg="add del mod">
+          <ac:chgData name="Wai" userId="debf67db-a1f1-4015-a973-18e47c993b52" providerId="ADAL" clId="{64207DCA-949F-4E54-835E-3FB6229402D4}" dt="2022-10-04T12:39:53.371" v="486" actId="478"/>
           <ac:picMkLst>
             <pc:docMk/>
             <pc:sldMk cId="908820380" sldId="280"/>
             <ac:picMk id="5" creationId="{AF280348-D321-F501-8EB5-82CA7B9D3E25}"/>
+          </ac:picMkLst>
+        </pc:picChg>
+        <pc:picChg chg="add del mod">
+          <ac:chgData name="Wai" userId="debf67db-a1f1-4015-a973-18e47c993b52" providerId="ADAL" clId="{64207DCA-949F-4E54-835E-3FB6229402D4}" dt="2022-10-04T12:39:37.497" v="478" actId="478"/>
+          <ac:picMkLst>
+            <pc:docMk/>
+            <pc:sldMk cId="908820380" sldId="280"/>
+            <ac:picMk id="6" creationId="{78FF2F2A-0D7F-7FFF-51EB-BAE37228F6F0}"/>
           </ac:picMkLst>
         </pc:picChg>
         <pc:picChg chg="add del mod">
@@ -532,11 +548,27 @@
           </ac:picMkLst>
         </pc:picChg>
         <pc:picChg chg="add mod">
-          <ac:chgData name="Wai" userId="debf67db-a1f1-4015-a973-18e47c993b52" providerId="ADAL" clId="{64207DCA-949F-4E54-835E-3FB6229402D4}" dt="2022-10-04T11:36:35.280" v="460" actId="1076"/>
+          <ac:chgData name="Wai" userId="debf67db-a1f1-4015-a973-18e47c993b52" providerId="ADAL" clId="{64207DCA-949F-4E54-835E-3FB6229402D4}" dt="2022-10-04T12:40:08.906" v="496" actId="1076"/>
+          <ac:picMkLst>
+            <pc:docMk/>
+            <pc:sldMk cId="908820380" sldId="280"/>
+            <ac:picMk id="8" creationId="{ADA745F0-84E7-B7EC-EF78-27E3AE4A9571}"/>
+          </ac:picMkLst>
+        </pc:picChg>
+        <pc:picChg chg="add del mod">
+          <ac:chgData name="Wai" userId="debf67db-a1f1-4015-a973-18e47c993b52" providerId="ADAL" clId="{64207DCA-949F-4E54-835E-3FB6229402D4}" dt="2022-10-04T12:28:06.510" v="461" actId="478"/>
           <ac:picMkLst>
             <pc:docMk/>
             <pc:sldMk cId="908820380" sldId="280"/>
             <ac:picMk id="9" creationId="{52F6F7A8-5C7A-BE20-B787-A78F371163E1}"/>
+          </ac:picMkLst>
+        </pc:picChg>
+        <pc:picChg chg="add mod">
+          <ac:chgData name="Wai" userId="debf67db-a1f1-4015-a973-18e47c993b52" providerId="ADAL" clId="{64207DCA-949F-4E54-835E-3FB6229402D4}" dt="2022-10-04T12:40:17.889" v="501" actId="14100"/>
+          <ac:picMkLst>
+            <pc:docMk/>
+            <pc:sldMk cId="908820380" sldId="280"/>
+            <ac:picMk id="13" creationId="{0D7A4D0B-E410-DA33-54B3-8FDEADBA1B7F}"/>
           </ac:picMkLst>
         </pc:picChg>
       </pc:sldChg>
@@ -6418,10 +6450,10 @@
       </p:sp>
       <p:pic>
         <p:nvPicPr>
-          <p:cNvPr id="5" name="Picture 4" descr="Chart, histogram&#10;&#10;Description automatically generated">
-            <a:extLst>
-              <a:ext uri="{FF2B5EF4-FFF2-40B4-BE49-F238E27FC236}">
-                <a16:creationId xmlns:a16="http://schemas.microsoft.com/office/drawing/2014/main" id="{AF280348-D321-F501-8EB5-82CA7B9D3E25}"/>
+          <p:cNvPr id="8" name="Picture 7" descr="Chart, histogram&#10;&#10;Description automatically generated">
+            <a:extLst>
+              <a:ext uri="{FF2B5EF4-FFF2-40B4-BE49-F238E27FC236}">
+                <a16:creationId xmlns:a16="http://schemas.microsoft.com/office/drawing/2014/main" id="{ADA745F0-84E7-B7EC-EF78-27E3AE4A9571}"/>
               </a:ext>
             </a:extLst>
           </p:cNvPr>
@@ -6444,8 +6476,8 @@
         </p:blipFill>
         <p:spPr>
           <a:xfrm>
-            <a:off x="3555778" y="1665427"/>
-            <a:ext cx="4229550" cy="3172163"/>
+            <a:off x="3661700" y="1806870"/>
+            <a:ext cx="4325679" cy="3244259"/>
           </a:xfrm>
           <a:prstGeom prst="rect">
             <a:avLst/>
@@ -6454,10 +6486,10 @@
       </p:pic>
       <p:pic>
         <p:nvPicPr>
-          <p:cNvPr id="9" name="Picture 8" descr="Chart, line chart&#10;&#10;Description automatically generated">
-            <a:extLst>
-              <a:ext uri="{FF2B5EF4-FFF2-40B4-BE49-F238E27FC236}">
-                <a16:creationId xmlns:a16="http://schemas.microsoft.com/office/drawing/2014/main" id="{52F6F7A8-5C7A-BE20-B787-A78F371163E1}"/>
+          <p:cNvPr id="13" name="Picture 12" descr="Chart, box and whisker chart&#10;&#10;Description automatically generated">
+            <a:extLst>
+              <a:ext uri="{FF2B5EF4-FFF2-40B4-BE49-F238E27FC236}">
+                <a16:creationId xmlns:a16="http://schemas.microsoft.com/office/drawing/2014/main" id="{0D7A4D0B-E410-DA33-54B3-8FDEADBA1B7F}"/>
               </a:ext>
             </a:extLst>
           </p:cNvPr>
@@ -6480,8 +6512,8 @@
         </p:blipFill>
         <p:spPr>
           <a:xfrm>
-            <a:off x="7852820" y="1665427"/>
-            <a:ext cx="4288604" cy="3216453"/>
+            <a:off x="7780092" y="1806870"/>
+            <a:ext cx="4325679" cy="3244260"/>
           </a:xfrm>
           <a:prstGeom prst="rect">
             <a:avLst/>

--- a/Final ML Trading presentation– Sem 2.pptx
+++ b/Final ML Trading presentation– Sem 2.pptx
@@ -124,7 +124,7 @@
 <file path=ppt/revisionInfo.xml><?xml version="1.0" encoding="utf-8"?>
 <p1510:revInfo xmlns:a="http://schemas.openxmlformats.org/drawingml/2006/main" xmlns:r="http://schemas.openxmlformats.org/officeDocument/2006/relationships" xmlns:p1510="http://schemas.microsoft.com/office/powerpoint/2015/10/main">
   <p1510:revLst>
-    <p1510:client id="{64207DCA-949F-4E54-835E-3FB6229402D4}" v="25" dt="2022-10-04T12:39:47.291"/>
+    <p1510:client id="{64207DCA-949F-4E54-835E-3FB6229402D4}" v="26" dt="2022-10-04T12:49:15.487"/>
   </p1510:revLst>
 </p1510:revInfo>
 </file>
@@ -134,7 +134,7 @@
   <pc:docChgLst>
     <pc:chgData name="Wai" userId="debf67db-a1f1-4015-a973-18e47c993b52" providerId="ADAL" clId="{64207DCA-949F-4E54-835E-3FB6229402D4}"/>
     <pc:docChg chg="undo custSel addSld delSld modSld">
-      <pc:chgData name="Wai" userId="debf67db-a1f1-4015-a973-18e47c993b52" providerId="ADAL" clId="{64207DCA-949F-4E54-835E-3FB6229402D4}" dt="2022-10-04T12:40:17.889" v="501" actId="14100"/>
+      <pc:chgData name="Wai" userId="debf67db-a1f1-4015-a973-18e47c993b52" providerId="ADAL" clId="{64207DCA-949F-4E54-835E-3FB6229402D4}" dt="2022-10-04T12:49:33.189" v="513" actId="1076"/>
       <pc:docMkLst>
         <pc:docMk/>
       </pc:docMkLst>
@@ -203,18 +203,26 @@
           </ac:spMkLst>
         </pc:spChg>
       </pc:sldChg>
-      <pc:sldChg chg="modSp mod">
-        <pc:chgData name="Wai" userId="debf67db-a1f1-4015-a973-18e47c993b52" providerId="ADAL" clId="{64207DCA-949F-4E54-835E-3FB6229402D4}" dt="2022-10-04T10:48:16.348" v="296" actId="1036"/>
+      <pc:sldChg chg="addSp delSp modSp mod">
+        <pc:chgData name="Wai" userId="debf67db-a1f1-4015-a973-18e47c993b52" providerId="ADAL" clId="{64207DCA-949F-4E54-835E-3FB6229402D4}" dt="2022-10-04T12:49:33.189" v="513" actId="1076"/>
         <pc:sldMkLst>
           <pc:docMk/>
           <pc:sldMk cId="3647046462" sldId="271"/>
         </pc:sldMkLst>
-        <pc:picChg chg="mod">
-          <ac:chgData name="Wai" userId="debf67db-a1f1-4015-a973-18e47c993b52" providerId="ADAL" clId="{64207DCA-949F-4E54-835E-3FB6229402D4}" dt="2022-10-04T10:48:16.348" v="296" actId="1036"/>
+        <pc:picChg chg="del mod">
+          <ac:chgData name="Wai" userId="debf67db-a1f1-4015-a973-18e47c993b52" providerId="ADAL" clId="{64207DCA-949F-4E54-835E-3FB6229402D4}" dt="2022-10-04T12:45:13.102" v="502" actId="478"/>
           <ac:picMkLst>
             <pc:docMk/>
             <pc:sldMk cId="3647046462" sldId="271"/>
             <ac:picMk id="2" creationId="{FF005EEF-A8CC-C5C1-3E2E-D7A87723D70E}"/>
+          </ac:picMkLst>
+        </pc:picChg>
+        <pc:picChg chg="add mod">
+          <ac:chgData name="Wai" userId="debf67db-a1f1-4015-a973-18e47c993b52" providerId="ADAL" clId="{64207DCA-949F-4E54-835E-3FB6229402D4}" dt="2022-10-04T12:49:33.189" v="513" actId="1076"/>
+          <ac:picMkLst>
+            <pc:docMk/>
+            <pc:sldMk cId="3647046462" sldId="271"/>
+            <ac:picMk id="4" creationId="{BD5A6115-7DD1-B7E1-A8BB-A40F94E23E71}"/>
           </ac:picMkLst>
         </pc:picChg>
       </pc:sldChg>
@@ -6726,10 +6734,10 @@
       </p:sp>
       <p:pic>
         <p:nvPicPr>
-          <p:cNvPr id="2" name="Picture 1" descr="Chart, bar chart&#10;&#10;Description automatically generated">
-            <a:extLst>
-              <a:ext uri="{FF2B5EF4-FFF2-40B4-BE49-F238E27FC236}">
-                <a16:creationId xmlns:a16="http://schemas.microsoft.com/office/drawing/2014/main" id="{FF005EEF-A8CC-C5C1-3E2E-D7A87723D70E}"/>
+          <p:cNvPr id="4" name="Picture 3" descr="Calendar&#10;&#10;Description automatically generated">
+            <a:extLst>
+              <a:ext uri="{FF2B5EF4-FFF2-40B4-BE49-F238E27FC236}">
+                <a16:creationId xmlns:a16="http://schemas.microsoft.com/office/drawing/2014/main" id="{BD5A6115-7DD1-B7E1-A8BB-A40F94E23E71}"/>
               </a:ext>
             </a:extLst>
           </p:cNvPr>
@@ -6752,8 +6760,8 @@
         </p:blipFill>
         <p:spPr>
           <a:xfrm>
-            <a:off x="3764953" y="1020034"/>
-            <a:ext cx="7732537" cy="4837181"/>
+            <a:off x="3598141" y="1026366"/>
+            <a:ext cx="8474436" cy="4338735"/>
           </a:xfrm>
           <a:prstGeom prst="rect">
             <a:avLst/>

--- a/Final ML Trading presentation– Sem 2.pptx
+++ b/Final ML Trading presentation– Sem 2.pptx
@@ -13,8 +13,7 @@
     <p:sldId id="277" r:id="rId7"/>
     <p:sldId id="274" r:id="rId8"/>
     <p:sldId id="280" r:id="rId9"/>
-    <p:sldId id="271" r:id="rId10"/>
-    <p:sldId id="272" r:id="rId11"/>
+    <p:sldId id="272" r:id="rId10"/>
   </p:sldIdLst>
   <p:sldSz cx="12192000" cy="6858000"/>
   <p:notesSz cx="6858000" cy="9144000"/>
@@ -124,7 +123,7 @@
 <file path=ppt/revisionInfo.xml><?xml version="1.0" encoding="utf-8"?>
 <p1510:revInfo xmlns:a="http://schemas.openxmlformats.org/drawingml/2006/main" xmlns:r="http://schemas.openxmlformats.org/officeDocument/2006/relationships" xmlns:p1510="http://schemas.microsoft.com/office/powerpoint/2015/10/main">
   <p1510:revLst>
-    <p1510:client id="{64207DCA-949F-4E54-835E-3FB6229402D4}" v="26" dt="2022-10-04T12:49:15.487"/>
+    <p1510:client id="{64207DCA-949F-4E54-835E-3FB6229402D4}" v="54" dt="2022-10-04T18:08:34.998"/>
   </p1510:revLst>
 </p1510:revInfo>
 </file>
@@ -134,7 +133,7 @@
   <pc:docChgLst>
     <pc:chgData name="Wai" userId="debf67db-a1f1-4015-a973-18e47c993b52" providerId="ADAL" clId="{64207DCA-949F-4E54-835E-3FB6229402D4}"/>
     <pc:docChg chg="undo custSel addSld delSld modSld">
-      <pc:chgData name="Wai" userId="debf67db-a1f1-4015-a973-18e47c993b52" providerId="ADAL" clId="{64207DCA-949F-4E54-835E-3FB6229402D4}" dt="2022-10-04T12:49:33.189" v="513" actId="1076"/>
+      <pc:chgData name="Wai" userId="debf67db-a1f1-4015-a973-18e47c993b52" providerId="ADAL" clId="{64207DCA-949F-4E54-835E-3FB6229402D4}" dt="2022-10-04T18:08:59.136" v="1289" actId="1076"/>
       <pc:docMkLst>
         <pc:docMk/>
       </pc:docMkLst>
@@ -203,8 +202,8 @@
           </ac:spMkLst>
         </pc:spChg>
       </pc:sldChg>
-      <pc:sldChg chg="addSp delSp modSp mod">
-        <pc:chgData name="Wai" userId="debf67db-a1f1-4015-a973-18e47c993b52" providerId="ADAL" clId="{64207DCA-949F-4E54-835E-3FB6229402D4}" dt="2022-10-04T12:49:33.189" v="513" actId="1076"/>
+      <pc:sldChg chg="addSp delSp modSp del mod">
+        <pc:chgData name="Wai" userId="debf67db-a1f1-4015-a973-18e47c993b52" providerId="ADAL" clId="{64207DCA-949F-4E54-835E-3FB6229402D4}" dt="2022-10-04T16:52:37.132" v="1116" actId="47"/>
         <pc:sldMkLst>
           <pc:docMk/>
           <pc:sldMk cId="3647046462" sldId="271"/>
@@ -217,8 +216,8 @@
             <ac:picMk id="2" creationId="{FF005EEF-A8CC-C5C1-3E2E-D7A87723D70E}"/>
           </ac:picMkLst>
         </pc:picChg>
-        <pc:picChg chg="add mod">
-          <ac:chgData name="Wai" userId="debf67db-a1f1-4015-a973-18e47c993b52" providerId="ADAL" clId="{64207DCA-949F-4E54-835E-3FB6229402D4}" dt="2022-10-04T12:49:33.189" v="513" actId="1076"/>
+        <pc:picChg chg="add del mod">
+          <ac:chgData name="Wai" userId="debf67db-a1f1-4015-a973-18e47c993b52" providerId="ADAL" clId="{64207DCA-949F-4E54-835E-3FB6229402D4}" dt="2022-10-04T16:51:22.309" v="1103" actId="478"/>
           <ac:picMkLst>
             <pc:docMk/>
             <pc:sldMk cId="3647046462" sldId="271"/>
@@ -227,13 +226,13 @@
         </pc:picChg>
       </pc:sldChg>
       <pc:sldChg chg="modSp mod">
-        <pc:chgData name="Wai" userId="debf67db-a1f1-4015-a973-18e47c993b52" providerId="ADAL" clId="{64207DCA-949F-4E54-835E-3FB6229402D4}" dt="2022-10-04T10:48:39.143" v="324" actId="20577"/>
+        <pc:chgData name="Wai" userId="debf67db-a1f1-4015-a973-18e47c993b52" providerId="ADAL" clId="{64207DCA-949F-4E54-835E-3FB6229402D4}" dt="2022-10-04T17:32:38.002" v="1197" actId="20577"/>
         <pc:sldMkLst>
           <pc:docMk/>
           <pc:sldMk cId="3710932181" sldId="272"/>
         </pc:sldMkLst>
         <pc:spChg chg="mod">
-          <ac:chgData name="Wai" userId="debf67db-a1f1-4015-a973-18e47c993b52" providerId="ADAL" clId="{64207DCA-949F-4E54-835E-3FB6229402D4}" dt="2022-10-04T10:48:39.143" v="324" actId="20577"/>
+          <ac:chgData name="Wai" userId="debf67db-a1f1-4015-a973-18e47c993b52" providerId="ADAL" clId="{64207DCA-949F-4E54-835E-3FB6229402D4}" dt="2022-10-04T17:32:38.002" v="1197" actId="20577"/>
           <ac:spMkLst>
             <pc:docMk/>
             <pc:sldMk cId="3710932181" sldId="272"/>
@@ -242,7 +241,7 @@
         </pc:spChg>
       </pc:sldChg>
       <pc:sldChg chg="addSp delSp modSp mod">
-        <pc:chgData name="Wai" userId="debf67db-a1f1-4015-a973-18e47c993b52" providerId="ADAL" clId="{64207DCA-949F-4E54-835E-3FB6229402D4}" dt="2022-10-04T11:27:30.875" v="438" actId="1076"/>
+        <pc:chgData name="Wai" userId="debf67db-a1f1-4015-a973-18e47c993b52" providerId="ADAL" clId="{64207DCA-949F-4E54-835E-3FB6229402D4}" dt="2022-10-04T17:45:08.479" v="1246" actId="14100"/>
         <pc:sldMkLst>
           <pc:docMk/>
           <pc:sldMk cId="2447364906" sldId="274"/>
@@ -264,6 +263,14 @@
           </ac:picMkLst>
         </pc:picChg>
         <pc:picChg chg="add del mod">
+          <ac:chgData name="Wai" userId="debf67db-a1f1-4015-a973-18e47c993b52" providerId="ADAL" clId="{64207DCA-949F-4E54-835E-3FB6229402D4}" dt="2022-10-04T16:21:53.919" v="1043" actId="478"/>
+          <ac:picMkLst>
+            <pc:docMk/>
+            <pc:sldMk cId="2447364906" sldId="274"/>
+            <ac:picMk id="3" creationId="{BF3857CB-6849-F689-7E70-922E935CCEE5}"/>
+          </ac:picMkLst>
+        </pc:picChg>
+        <pc:picChg chg="add del mod">
           <ac:chgData name="Wai" userId="debf67db-a1f1-4015-a973-18e47c993b52" providerId="ADAL" clId="{64207DCA-949F-4E54-835E-3FB6229402D4}" dt="2022-10-04T11:27:26.347" v="435" actId="478"/>
           <ac:picMkLst>
             <pc:docMk/>
@@ -287,12 +294,20 @@
             <ac:picMk id="4" creationId="{569505FB-72B2-A1D5-BBA0-B252743D48DE}"/>
           </ac:picMkLst>
         </pc:picChg>
-        <pc:picChg chg="add mod">
-          <ac:chgData name="Wai" userId="debf67db-a1f1-4015-a973-18e47c993b52" providerId="ADAL" clId="{64207DCA-949F-4E54-835E-3FB6229402D4}" dt="2022-10-04T11:27:30.875" v="438" actId="1076"/>
+        <pc:picChg chg="add del mod">
+          <ac:chgData name="Wai" userId="debf67db-a1f1-4015-a973-18e47c993b52" providerId="ADAL" clId="{64207DCA-949F-4E54-835E-3FB6229402D4}" dt="2022-10-04T16:48:04.583" v="1074" actId="478"/>
           <ac:picMkLst>
             <pc:docMk/>
             <pc:sldMk cId="2447364906" sldId="274"/>
             <ac:picMk id="5" creationId="{C446E9AE-C558-5EA2-365B-E3604B9E719A}"/>
+          </ac:picMkLst>
+        </pc:picChg>
+        <pc:picChg chg="add del mod">
+          <ac:chgData name="Wai" userId="debf67db-a1f1-4015-a973-18e47c993b52" providerId="ADAL" clId="{64207DCA-949F-4E54-835E-3FB6229402D4}" dt="2022-10-04T16:22:46.094" v="1052" actId="478"/>
+          <ac:picMkLst>
+            <pc:docMk/>
+            <pc:sldMk cId="2447364906" sldId="274"/>
+            <ac:picMk id="6" creationId="{006993D1-F308-0DE3-E94F-EDF1956A44AB}"/>
           </ac:picMkLst>
         </pc:picChg>
         <pc:picChg chg="add del mod">
@@ -320,6 +335,14 @@
           </ac:picMkLst>
         </pc:picChg>
         <pc:picChg chg="add del mod">
+          <ac:chgData name="Wai" userId="debf67db-a1f1-4015-a973-18e47c993b52" providerId="ADAL" clId="{64207DCA-949F-4E54-835E-3FB6229402D4}" dt="2022-10-04T16:31:02.193" v="1067" actId="478"/>
+          <ac:picMkLst>
+            <pc:docMk/>
+            <pc:sldMk cId="2447364906" sldId="274"/>
+            <ac:picMk id="8" creationId="{64AB8E3A-FB2F-0EEA-943A-D1E77459DBD0}"/>
+          </ac:picMkLst>
+        </pc:picChg>
+        <pc:picChg chg="add del mod">
           <ac:chgData name="Wai" userId="debf67db-a1f1-4015-a973-18e47c993b52" providerId="ADAL" clId="{64207DCA-949F-4E54-835E-3FB6229402D4}" dt="2022-10-04T10:53:42.757" v="381" actId="21"/>
           <ac:picMkLst>
             <pc:docMk/>
@@ -344,6 +367,14 @@
           </ac:picMkLst>
         </pc:picChg>
         <pc:picChg chg="add del mod">
+          <ac:chgData name="Wai" userId="debf67db-a1f1-4015-a973-18e47c993b52" providerId="ADAL" clId="{64207DCA-949F-4E54-835E-3FB6229402D4}" dt="2022-10-04T16:48:05.578" v="1075" actId="478"/>
+          <ac:picMkLst>
+            <pc:docMk/>
+            <pc:sldMk cId="2447364906" sldId="274"/>
+            <ac:picMk id="11" creationId="{8B29D442-967D-A4BC-092C-2E2001CAAE70}"/>
+          </ac:picMkLst>
+        </pc:picChg>
+        <pc:picChg chg="add del mod">
           <ac:chgData name="Wai" userId="debf67db-a1f1-4015-a973-18e47c993b52" providerId="ADAL" clId="{64207DCA-949F-4E54-835E-3FB6229402D4}" dt="2022-10-04T11:19:48.560" v="419" actId="478"/>
           <ac:picMkLst>
             <pc:docMk/>
@@ -357,6 +388,134 @@
             <pc:docMk/>
             <pc:sldMk cId="2447364906" sldId="274"/>
             <ac:picMk id="14" creationId="{55DBBC24-452E-097B-176D-9212FAB5326F}"/>
+          </ac:picMkLst>
+        </pc:picChg>
+        <pc:picChg chg="add del mod">
+          <ac:chgData name="Wai" userId="debf67db-a1f1-4015-a973-18e47c993b52" providerId="ADAL" clId="{64207DCA-949F-4E54-835E-3FB6229402D4}" dt="2022-10-04T17:00:52.676" v="1118" actId="478"/>
+          <ac:picMkLst>
+            <pc:docMk/>
+            <pc:sldMk cId="2447364906" sldId="274"/>
+            <ac:picMk id="14" creationId="{B150FE15-E4D9-D1D8-3415-0FC588B0DA27}"/>
+          </ac:picMkLst>
+        </pc:picChg>
+        <pc:picChg chg="add del mod">
+          <ac:chgData name="Wai" userId="debf67db-a1f1-4015-a973-18e47c993b52" providerId="ADAL" clId="{64207DCA-949F-4E54-835E-3FB6229402D4}" dt="2022-10-04T17:00:53.114" v="1119" actId="478"/>
+          <ac:picMkLst>
+            <pc:docMk/>
+            <pc:sldMk cId="2447364906" sldId="274"/>
+            <ac:picMk id="16" creationId="{A51C63C3-C060-EA82-ACC9-9D6F9726AF1B}"/>
+          </ac:picMkLst>
+        </pc:picChg>
+        <pc:picChg chg="add del mod">
+          <ac:chgData name="Wai" userId="debf67db-a1f1-4015-a973-18e47c993b52" providerId="ADAL" clId="{64207DCA-949F-4E54-835E-3FB6229402D4}" dt="2022-10-04T17:03:09.977" v="1131" actId="478"/>
+          <ac:picMkLst>
+            <pc:docMk/>
+            <pc:sldMk cId="2447364906" sldId="274"/>
+            <ac:picMk id="18" creationId="{534236BF-2774-417A-E55A-1CC4DF25E8DC}"/>
+          </ac:picMkLst>
+        </pc:picChg>
+        <pc:picChg chg="add del mod">
+          <ac:chgData name="Wai" userId="debf67db-a1f1-4015-a973-18e47c993b52" providerId="ADAL" clId="{64207DCA-949F-4E54-835E-3FB6229402D4}" dt="2022-10-04T17:03:10.328" v="1132" actId="478"/>
+          <ac:picMkLst>
+            <pc:docMk/>
+            <pc:sldMk cId="2447364906" sldId="274"/>
+            <ac:picMk id="20" creationId="{D381190F-2149-6CCA-24A2-9FBEE11847A0}"/>
+          </ac:picMkLst>
+        </pc:picChg>
+        <pc:picChg chg="add del mod">
+          <ac:chgData name="Wai" userId="debf67db-a1f1-4015-a973-18e47c993b52" providerId="ADAL" clId="{64207DCA-949F-4E54-835E-3FB6229402D4}" dt="2022-10-04T17:06:26.702" v="1152" actId="478"/>
+          <ac:picMkLst>
+            <pc:docMk/>
+            <pc:sldMk cId="2447364906" sldId="274"/>
+            <ac:picMk id="22" creationId="{6E05F2E6-E727-BA7E-6E78-2F2027F905FD}"/>
+          </ac:picMkLst>
+        </pc:picChg>
+        <pc:picChg chg="add del mod">
+          <ac:chgData name="Wai" userId="debf67db-a1f1-4015-a973-18e47c993b52" providerId="ADAL" clId="{64207DCA-949F-4E54-835E-3FB6229402D4}" dt="2022-10-04T17:06:27.089" v="1153" actId="478"/>
+          <ac:picMkLst>
+            <pc:docMk/>
+            <pc:sldMk cId="2447364906" sldId="274"/>
+            <ac:picMk id="24" creationId="{D8AAB513-6122-EEC9-47A5-7592348183C1}"/>
+          </ac:picMkLst>
+        </pc:picChg>
+        <pc:picChg chg="add del mod">
+          <ac:chgData name="Wai" userId="debf67db-a1f1-4015-a973-18e47c993b52" providerId="ADAL" clId="{64207DCA-949F-4E54-835E-3FB6229402D4}" dt="2022-10-04T17:08:51.461" v="1176" actId="478"/>
+          <ac:picMkLst>
+            <pc:docMk/>
+            <pc:sldMk cId="2447364906" sldId="274"/>
+            <ac:picMk id="26" creationId="{6B989570-EE0D-39FF-8603-6ECBFF7AF428}"/>
+          </ac:picMkLst>
+        </pc:picChg>
+        <pc:picChg chg="add del mod">
+          <ac:chgData name="Wai" userId="debf67db-a1f1-4015-a973-18e47c993b52" providerId="ADAL" clId="{64207DCA-949F-4E54-835E-3FB6229402D4}" dt="2022-10-04T17:08:51.056" v="1175" actId="478"/>
+          <ac:picMkLst>
+            <pc:docMk/>
+            <pc:sldMk cId="2447364906" sldId="274"/>
+            <ac:picMk id="28" creationId="{2DD9B02F-B0E7-443C-1A53-E7724728460C}"/>
+          </ac:picMkLst>
+        </pc:picChg>
+        <pc:picChg chg="add del mod">
+          <ac:chgData name="Wai" userId="debf67db-a1f1-4015-a973-18e47c993b52" providerId="ADAL" clId="{64207DCA-949F-4E54-835E-3FB6229402D4}" dt="2022-10-04T17:36:46.640" v="1198" actId="478"/>
+          <ac:picMkLst>
+            <pc:docMk/>
+            <pc:sldMk cId="2447364906" sldId="274"/>
+            <ac:picMk id="30" creationId="{D451DE9C-1101-4DB5-4723-D7BBB1AC5ECE}"/>
+          </ac:picMkLst>
+        </pc:picChg>
+        <pc:picChg chg="add del mod">
+          <ac:chgData name="Wai" userId="debf67db-a1f1-4015-a973-18e47c993b52" providerId="ADAL" clId="{64207DCA-949F-4E54-835E-3FB6229402D4}" dt="2022-10-04T17:36:47.089" v="1199" actId="478"/>
+          <ac:picMkLst>
+            <pc:docMk/>
+            <pc:sldMk cId="2447364906" sldId="274"/>
+            <ac:picMk id="32" creationId="{78407C65-510C-F9F1-1CF1-B83BC896CCD5}"/>
+          </ac:picMkLst>
+        </pc:picChg>
+        <pc:picChg chg="add del mod">
+          <ac:chgData name="Wai" userId="debf67db-a1f1-4015-a973-18e47c993b52" providerId="ADAL" clId="{64207DCA-949F-4E54-835E-3FB6229402D4}" dt="2022-10-04T17:42:58.814" v="1218" actId="478"/>
+          <ac:picMkLst>
+            <pc:docMk/>
+            <pc:sldMk cId="2447364906" sldId="274"/>
+            <ac:picMk id="34" creationId="{C4FE1A63-C8FA-3240-793F-3BC21F9C5CC0}"/>
+          </ac:picMkLst>
+        </pc:picChg>
+        <pc:picChg chg="add del mod">
+          <ac:chgData name="Wai" userId="debf67db-a1f1-4015-a973-18e47c993b52" providerId="ADAL" clId="{64207DCA-949F-4E54-835E-3FB6229402D4}" dt="2022-10-04T17:42:59.148" v="1219" actId="478"/>
+          <ac:picMkLst>
+            <pc:docMk/>
+            <pc:sldMk cId="2447364906" sldId="274"/>
+            <ac:picMk id="36" creationId="{DB43F827-F1B0-25D2-FED7-1CD2CAC9DFAF}"/>
+          </ac:picMkLst>
+        </pc:picChg>
+        <pc:picChg chg="add del mod">
+          <ac:chgData name="Wai" userId="debf67db-a1f1-4015-a973-18e47c993b52" providerId="ADAL" clId="{64207DCA-949F-4E54-835E-3FB6229402D4}" dt="2022-10-04T17:43:48.049" v="1223" actId="478"/>
+          <ac:picMkLst>
+            <pc:docMk/>
+            <pc:sldMk cId="2447364906" sldId="274"/>
+            <ac:picMk id="38" creationId="{F2268FB0-6F6D-456D-499F-B4C882F92FC5}"/>
+          </ac:picMkLst>
+        </pc:picChg>
+        <pc:picChg chg="add del mod">
+          <ac:chgData name="Wai" userId="debf67db-a1f1-4015-a973-18e47c993b52" providerId="ADAL" clId="{64207DCA-949F-4E54-835E-3FB6229402D4}" dt="2022-10-04T17:44:10.674" v="1231" actId="478"/>
+          <ac:picMkLst>
+            <pc:docMk/>
+            <pc:sldMk cId="2447364906" sldId="274"/>
+            <ac:picMk id="40" creationId="{B53FE5F4-AA88-B0FE-AEC4-C2EE6C313ACD}"/>
+          </ac:picMkLst>
+        </pc:picChg>
+        <pc:picChg chg="add mod">
+          <ac:chgData name="Wai" userId="debf67db-a1f1-4015-a973-18e47c993b52" providerId="ADAL" clId="{64207DCA-949F-4E54-835E-3FB6229402D4}" dt="2022-10-04T17:45:08.479" v="1246" actId="14100"/>
+          <ac:picMkLst>
+            <pc:docMk/>
+            <pc:sldMk cId="2447364906" sldId="274"/>
+            <ac:picMk id="42" creationId="{ADD641B9-A806-D1AF-58A7-9B91DE74A02F}"/>
+          </ac:picMkLst>
+        </pc:picChg>
+        <pc:picChg chg="add mod">
+          <ac:chgData name="Wai" userId="debf67db-a1f1-4015-a973-18e47c993b52" providerId="ADAL" clId="{64207DCA-949F-4E54-835E-3FB6229402D4}" dt="2022-10-04T17:45:01.735" v="1244" actId="1076"/>
+          <ac:picMkLst>
+            <pc:docMk/>
+            <pc:sldMk cId="2447364906" sldId="274"/>
+            <ac:picMk id="44" creationId="{7DBD5508-201A-5AA1-4E5A-D7B41FFE00F1}"/>
           </ac:picMkLst>
         </pc:picChg>
       </pc:sldChg>
@@ -486,11 +645,59 @@
         </pc:picChg>
       </pc:sldChg>
       <pc:sldChg chg="addSp delSp modSp add mod">
-        <pc:chgData name="Wai" userId="debf67db-a1f1-4015-a973-18e47c993b52" providerId="ADAL" clId="{64207DCA-949F-4E54-835E-3FB6229402D4}" dt="2022-10-04T12:40:17.889" v="501" actId="14100"/>
+        <pc:chgData name="Wai" userId="debf67db-a1f1-4015-a973-18e47c993b52" providerId="ADAL" clId="{64207DCA-949F-4E54-835E-3FB6229402D4}" dt="2022-10-04T18:08:59.136" v="1289" actId="1076"/>
         <pc:sldMkLst>
           <pc:docMk/>
           <pc:sldMk cId="908820380" sldId="280"/>
         </pc:sldMkLst>
+        <pc:spChg chg="add del mod">
+          <ac:chgData name="Wai" userId="debf67db-a1f1-4015-a973-18e47c993b52" providerId="ADAL" clId="{64207DCA-949F-4E54-835E-3FB6229402D4}" dt="2022-10-04T16:48:46.529" v="1097" actId="478"/>
+          <ac:spMkLst>
+            <pc:docMk/>
+            <pc:sldMk cId="908820380" sldId="280"/>
+            <ac:spMk id="2" creationId="{1625AA20-627C-8A1C-2DC7-96EB37FF72DD}"/>
+          </ac:spMkLst>
+        </pc:spChg>
+        <pc:spChg chg="add del mod">
+          <ac:chgData name="Wai" userId="debf67db-a1f1-4015-a973-18e47c993b52" providerId="ADAL" clId="{64207DCA-949F-4E54-835E-3FB6229402D4}" dt="2022-10-04T15:16:21.340" v="760" actId="478"/>
+          <ac:spMkLst>
+            <pc:docMk/>
+            <pc:sldMk cId="908820380" sldId="280"/>
+            <ac:spMk id="4" creationId="{D050C42B-C5E5-D36B-E2F4-54BFEE105C14}"/>
+          </ac:spMkLst>
+        </pc:spChg>
+        <pc:spChg chg="add del mod">
+          <ac:chgData name="Wai" userId="debf67db-a1f1-4015-a973-18e47c993b52" providerId="ADAL" clId="{64207DCA-949F-4E54-835E-3FB6229402D4}" dt="2022-10-04T15:59:07.684" v="943" actId="478"/>
+          <ac:spMkLst>
+            <pc:docMk/>
+            <pc:sldMk cId="908820380" sldId="280"/>
+            <ac:spMk id="5" creationId="{9CE883C4-BC7A-6E3F-F594-C54E4B7CAA25}"/>
+          </ac:spMkLst>
+        </pc:spChg>
+        <pc:spChg chg="add del mod">
+          <ac:chgData name="Wai" userId="debf67db-a1f1-4015-a973-18e47c993b52" providerId="ADAL" clId="{64207DCA-949F-4E54-835E-3FB6229402D4}" dt="2022-10-04T15:59:06.010" v="942" actId="478"/>
+          <ac:spMkLst>
+            <pc:docMk/>
+            <pc:sldMk cId="908820380" sldId="280"/>
+            <ac:spMk id="6" creationId="{83BA50B1-B9A4-858D-59D9-EA7CC0589A88}"/>
+          </ac:spMkLst>
+        </pc:spChg>
+        <pc:spChg chg="add del mod">
+          <ac:chgData name="Wai" userId="debf67db-a1f1-4015-a973-18e47c993b52" providerId="ADAL" clId="{64207DCA-949F-4E54-835E-3FB6229402D4}" dt="2022-10-04T16:10:56.257" v="1020" actId="478"/>
+          <ac:spMkLst>
+            <pc:docMk/>
+            <pc:sldMk cId="908820380" sldId="280"/>
+            <ac:spMk id="22" creationId="{A7EC085A-32C3-FE02-A6FC-2904D63EA82C}"/>
+          </ac:spMkLst>
+        </pc:spChg>
+        <pc:spChg chg="add del mod">
+          <ac:chgData name="Wai" userId="debf67db-a1f1-4015-a973-18e47c993b52" providerId="ADAL" clId="{64207DCA-949F-4E54-835E-3FB6229402D4}" dt="2022-10-04T16:48:47.704" v="1098" actId="478"/>
+          <ac:spMkLst>
+            <pc:docMk/>
+            <pc:sldMk cId="908820380" sldId="280"/>
+            <ac:spMk id="23" creationId="{1193746B-72FC-8909-5648-D325C4492F1C}"/>
+          </ac:spMkLst>
+        </pc:spChg>
         <pc:picChg chg="add del mod">
           <ac:chgData name="Wai" userId="debf67db-a1f1-4015-a973-18e47c993b52" providerId="ADAL" clId="{64207DCA-949F-4E54-835E-3FB6229402D4}" dt="2022-10-04T11:29:15.545" v="439" actId="478"/>
           <ac:picMkLst>
@@ -555,8 +762,8 @@
             <ac:picMk id="8" creationId="{69C76093-BB67-3078-3C17-2523E8718293}"/>
           </ac:picMkLst>
         </pc:picChg>
-        <pc:picChg chg="add mod">
-          <ac:chgData name="Wai" userId="debf67db-a1f1-4015-a973-18e47c993b52" providerId="ADAL" clId="{64207DCA-949F-4E54-835E-3FB6229402D4}" dt="2022-10-04T12:40:08.906" v="496" actId="1076"/>
+        <pc:picChg chg="add del mod">
+          <ac:chgData name="Wai" userId="debf67db-a1f1-4015-a973-18e47c993b52" providerId="ADAL" clId="{64207DCA-949F-4E54-835E-3FB6229402D4}" dt="2022-10-04T16:48:49.716" v="1101" actId="478"/>
           <ac:picMkLst>
             <pc:docMk/>
             <pc:sldMk cId="908820380" sldId="280"/>
@@ -571,12 +778,116 @@
             <ac:picMk id="9" creationId="{52F6F7A8-5C7A-BE20-B787-A78F371163E1}"/>
           </ac:picMkLst>
         </pc:picChg>
-        <pc:picChg chg="add mod">
-          <ac:chgData name="Wai" userId="debf67db-a1f1-4015-a973-18e47c993b52" providerId="ADAL" clId="{64207DCA-949F-4E54-835E-3FB6229402D4}" dt="2022-10-04T12:40:17.889" v="501" actId="14100"/>
+        <pc:picChg chg="add del mod">
+          <ac:chgData name="Wai" userId="debf67db-a1f1-4015-a973-18e47c993b52" providerId="ADAL" clId="{64207DCA-949F-4E54-835E-3FB6229402D4}" dt="2022-10-04T16:07:47.134" v="964" actId="478"/>
+          <ac:picMkLst>
+            <pc:docMk/>
+            <pc:sldMk cId="908820380" sldId="280"/>
+            <ac:picMk id="9" creationId="{C2DFA681-D7E6-351C-B007-1EB51604B7CE}"/>
+          </ac:picMkLst>
+        </pc:picChg>
+        <pc:picChg chg="add del mod">
+          <ac:chgData name="Wai" userId="debf67db-a1f1-4015-a973-18e47c993b52" providerId="ADAL" clId="{64207DCA-949F-4E54-835E-3FB6229402D4}" dt="2022-10-04T16:48:50.252" v="1102" actId="478"/>
           <ac:picMkLst>
             <pc:docMk/>
             <pc:sldMk cId="908820380" sldId="280"/>
             <ac:picMk id="13" creationId="{0D7A4D0B-E410-DA33-54B3-8FDEADBA1B7F}"/>
+          </ac:picMkLst>
+        </pc:picChg>
+        <pc:picChg chg="add del mod">
+          <ac:chgData name="Wai" userId="debf67db-a1f1-4015-a973-18e47c993b52" providerId="ADAL" clId="{64207DCA-949F-4E54-835E-3FB6229402D4}" dt="2022-10-04T16:07:23.486" v="957" actId="478"/>
+          <ac:picMkLst>
+            <pc:docMk/>
+            <pc:sldMk cId="908820380" sldId="280"/>
+            <ac:picMk id="14" creationId="{9DA41B36-0284-40D1-653D-FD25B84E4B49}"/>
+          </ac:picMkLst>
+        </pc:picChg>
+        <pc:picChg chg="add del mod">
+          <ac:chgData name="Wai" userId="debf67db-a1f1-4015-a973-18e47c993b52" providerId="ADAL" clId="{64207DCA-949F-4E54-835E-3FB6229402D4}" dt="2022-10-04T16:12:24.857" v="1021" actId="478"/>
+          <ac:picMkLst>
+            <pc:docMk/>
+            <pc:sldMk cId="908820380" sldId="280"/>
+            <ac:picMk id="16" creationId="{95122AA9-1999-2169-5B3F-8A3C0156A370}"/>
+          </ac:picMkLst>
+        </pc:picChg>
+        <pc:picChg chg="add del mod">
+          <ac:chgData name="Wai" userId="debf67db-a1f1-4015-a973-18e47c993b52" providerId="ADAL" clId="{64207DCA-949F-4E54-835E-3FB6229402D4}" dt="2022-10-04T16:07:55.796" v="968" actId="478"/>
+          <ac:picMkLst>
+            <pc:docMk/>
+            <pc:sldMk cId="908820380" sldId="280"/>
+            <ac:picMk id="18" creationId="{B2752805-6E48-3F02-87E7-F37EF1627A50}"/>
+          </ac:picMkLst>
+        </pc:picChg>
+        <pc:picChg chg="add del mod">
+          <ac:chgData name="Wai" userId="debf67db-a1f1-4015-a973-18e47c993b52" providerId="ADAL" clId="{64207DCA-949F-4E54-835E-3FB6229402D4}" dt="2022-10-04T16:18:04.200" v="1032" actId="478"/>
+          <ac:picMkLst>
+            <pc:docMk/>
+            <pc:sldMk cId="908820380" sldId="280"/>
+            <ac:picMk id="20" creationId="{C518CCC4-C653-ED27-A634-D3509A474112}"/>
+          </ac:picMkLst>
+        </pc:picChg>
+        <pc:picChg chg="add del mod">
+          <ac:chgData name="Wai" userId="debf67db-a1f1-4015-a973-18e47c993b52" providerId="ADAL" clId="{64207DCA-949F-4E54-835E-3FB6229402D4}" dt="2022-10-04T16:48:48.804" v="1099" actId="478"/>
+          <ac:picMkLst>
+            <pc:docMk/>
+            <pc:sldMk cId="908820380" sldId="280"/>
+            <ac:picMk id="25" creationId="{1D27EABB-3F45-7C76-46C2-42732BE712DE}"/>
+          </ac:picMkLst>
+        </pc:picChg>
+        <pc:picChg chg="add del mod">
+          <ac:chgData name="Wai" userId="debf67db-a1f1-4015-a973-18e47c993b52" providerId="ADAL" clId="{64207DCA-949F-4E54-835E-3FB6229402D4}" dt="2022-10-04T16:48:49.253" v="1100" actId="478"/>
+          <ac:picMkLst>
+            <pc:docMk/>
+            <pc:sldMk cId="908820380" sldId="280"/>
+            <ac:picMk id="27" creationId="{4BA034B7-8325-5000-2B5B-8B03A142918D}"/>
+          </ac:picMkLst>
+        </pc:picChg>
+        <pc:picChg chg="add del mod">
+          <ac:chgData name="Wai" userId="debf67db-a1f1-4015-a973-18e47c993b52" providerId="ADAL" clId="{64207DCA-949F-4E54-835E-3FB6229402D4}" dt="2022-10-04T17:47:59.424" v="1247" actId="478"/>
+          <ac:picMkLst>
+            <pc:docMk/>
+            <pc:sldMk cId="908820380" sldId="280"/>
+            <ac:picMk id="29" creationId="{C09320A9-8DEA-A8EB-BB1D-DB9B8EBDC116}"/>
+          </ac:picMkLst>
+        </pc:picChg>
+        <pc:picChg chg="add del mod">
+          <ac:chgData name="Wai" userId="debf67db-a1f1-4015-a973-18e47c993b52" providerId="ADAL" clId="{64207DCA-949F-4E54-835E-3FB6229402D4}" dt="2022-10-04T17:47:59.758" v="1248" actId="478"/>
+          <ac:picMkLst>
+            <pc:docMk/>
+            <pc:sldMk cId="908820380" sldId="280"/>
+            <ac:picMk id="31" creationId="{F20664C1-CBE7-F362-78D8-1518A0B85249}"/>
+          </ac:picMkLst>
+        </pc:picChg>
+        <pc:picChg chg="add mod">
+          <ac:chgData name="Wai" userId="debf67db-a1f1-4015-a973-18e47c993b52" providerId="ADAL" clId="{64207DCA-949F-4E54-835E-3FB6229402D4}" dt="2022-10-04T18:08:54.655" v="1288" actId="1076"/>
+          <ac:picMkLst>
+            <pc:docMk/>
+            <pc:sldMk cId="908820380" sldId="280"/>
+            <ac:picMk id="33" creationId="{D9E27D9E-4893-2370-CF38-76CF92BCA5D1}"/>
+          </ac:picMkLst>
+        </pc:picChg>
+        <pc:picChg chg="add del mod">
+          <ac:chgData name="Wai" userId="debf67db-a1f1-4015-a973-18e47c993b52" providerId="ADAL" clId="{64207DCA-949F-4E54-835E-3FB6229402D4}" dt="2022-10-04T18:08:28.685" v="1279" actId="478"/>
+          <ac:picMkLst>
+            <pc:docMk/>
+            <pc:sldMk cId="908820380" sldId="280"/>
+            <ac:picMk id="35" creationId="{52A4546B-37A0-1901-653B-DF7D73853609}"/>
+          </ac:picMkLst>
+        </pc:picChg>
+        <pc:picChg chg="add mod">
+          <ac:chgData name="Wai" userId="debf67db-a1f1-4015-a973-18e47c993b52" providerId="ADAL" clId="{64207DCA-949F-4E54-835E-3FB6229402D4}" dt="2022-10-04T17:53:31.889" v="1274" actId="14100"/>
+          <ac:picMkLst>
+            <pc:docMk/>
+            <pc:sldMk cId="908820380" sldId="280"/>
+            <ac:picMk id="37" creationId="{265E2126-CCF5-745E-8F61-7B0C518BEA60}"/>
+          </ac:picMkLst>
+        </pc:picChg>
+        <pc:picChg chg="add mod">
+          <ac:chgData name="Wai" userId="debf67db-a1f1-4015-a973-18e47c993b52" providerId="ADAL" clId="{64207DCA-949F-4E54-835E-3FB6229402D4}" dt="2022-10-04T18:08:59.136" v="1289" actId="1076"/>
+          <ac:picMkLst>
+            <pc:docMk/>
+            <pc:sldMk cId="908820380" sldId="280"/>
+            <ac:picMk id="39" creationId="{E60E919C-8BA7-6948-30BE-8AF376FF2FF9}"/>
           </ac:picMkLst>
         </pc:picChg>
       </pc:sldChg>
@@ -4109,341 +4420,6 @@
 </p:sld>
 </file>
 
-<file path=ppt/slides/slide10.xml><?xml version="1.0" encoding="utf-8"?>
-<p:sld xmlns:a="http://schemas.openxmlformats.org/drawingml/2006/main" xmlns:r="http://schemas.openxmlformats.org/officeDocument/2006/relationships" xmlns:p="http://schemas.openxmlformats.org/presentationml/2006/main">
-  <p:cSld>
-    <p:bg>
-      <p:bgPr>
-        <a:solidFill>
-          <a:schemeClr val="bg1"/>
-        </a:solidFill>
-        <a:effectLst/>
-      </p:bgPr>
-    </p:bg>
-    <p:spTree>
-      <p:nvGrpSpPr>
-        <p:cNvPr id="1" name=""/>
-        <p:cNvGrpSpPr/>
-        <p:nvPr/>
-      </p:nvGrpSpPr>
-      <p:grpSpPr>
-        <a:xfrm>
-          <a:off x="0" y="0"/>
-          <a:ext cx="0" cy="0"/>
-          <a:chOff x="0" y="0"/>
-          <a:chExt cx="0" cy="0"/>
-        </a:xfrm>
-      </p:grpSpPr>
-      <p:sp>
-        <p:nvSpPr>
-          <p:cNvPr id="10" name="Rectangle 9">
-            <a:extLst>
-              <a:ext uri="{FF2B5EF4-FFF2-40B4-BE49-F238E27FC236}">
-                <a16:creationId xmlns:a16="http://schemas.microsoft.com/office/drawing/2014/main" id="{42A5316D-ED2F-4F89-B4B4-8D9240B1A348}"/>
-              </a:ext>
-              <a:ext uri="{C183D7F6-B498-43B3-948B-1728B52AA6E4}">
-                <adec:decorative xmlns:adec="http://schemas.microsoft.com/office/drawing/2017/decorative" val="1"/>
-              </a:ext>
-            </a:extLst>
-          </p:cNvPr>
-          <p:cNvSpPr>
-            <a:spLocks noGrp="1" noRot="1" noChangeAspect="1" noMove="1" noResize="1" noEditPoints="1" noAdjustHandles="1" noChangeArrowheads="1" noChangeShapeType="1" noTextEdit="1"/>
-          </p:cNvSpPr>
-          <p:nvPr>
-            <p:extLst>
-              <p:ext uri="{386F3935-93C4-4BCD-93E2-E3B085C9AB24}">
-                <p16:designElem xmlns:p16="http://schemas.microsoft.com/office/powerpoint/2015/main" val="1"/>
-              </p:ext>
-            </p:extLst>
-          </p:nvPr>
-        </p:nvSpPr>
-        <p:spPr>
-          <a:xfrm>
-            <a:off x="0" y="0"/>
-            <a:ext cx="2013557" cy="6858000"/>
-          </a:xfrm>
-          <a:prstGeom prst="rect">
-            <a:avLst/>
-          </a:prstGeom>
-          <a:solidFill>
-            <a:srgbClr val="4F453A"/>
-          </a:solidFill>
-          <a:ln>
-            <a:noFill/>
-          </a:ln>
-        </p:spPr>
-        <p:style>
-          <a:lnRef idx="2">
-            <a:schemeClr val="accent1">
-              <a:shade val="50000"/>
-            </a:schemeClr>
-          </a:lnRef>
-          <a:fillRef idx="1">
-            <a:schemeClr val="accent1"/>
-          </a:fillRef>
-          <a:effectRef idx="0">
-            <a:schemeClr val="accent1"/>
-          </a:effectRef>
-          <a:fontRef idx="minor">
-            <a:schemeClr val="lt1"/>
-          </a:fontRef>
-        </p:style>
-        <p:txBody>
-          <a:bodyPr rtlCol="0" anchor="ctr"/>
-          <a:lstStyle/>
-          <a:p>
-            <a:pPr marL="0" marR="0" lvl="0" indent="0" algn="ctr" defTabSz="914400" rtl="0" eaLnBrk="1" fontAlgn="auto" latinLnBrk="0" hangingPunct="1">
-              <a:lnSpc>
-                <a:spcPct val="100000"/>
-              </a:lnSpc>
-              <a:spcBef>
-                <a:spcPts val="0"/>
-              </a:spcBef>
-              <a:spcAft>
-                <a:spcPts val="0"/>
-              </a:spcAft>
-              <a:buClrTx/>
-              <a:buSzTx/>
-              <a:buFontTx/>
-              <a:buNone/>
-              <a:tabLst/>
-              <a:defRPr/>
-            </a:pPr>
-            <a:endParaRPr kumimoji="0" lang="en-US" sz="1800" b="0" i="0" u="none" strike="noStrike" kern="1200" cap="none" spc="0" normalizeH="0" baseline="0" noProof="0">
-              <a:ln>
-                <a:noFill/>
-              </a:ln>
-              <a:solidFill>
-                <a:prstClr val="white"/>
-              </a:solidFill>
-              <a:effectLst/>
-              <a:uLnTx/>
-              <a:uFillTx/>
-              <a:latin typeface="Calibri" panose="020F0502020204030204"/>
-              <a:ea typeface="+mn-ea"/>
-              <a:cs typeface="+mn-cs"/>
-            </a:endParaRPr>
-          </a:p>
-        </p:txBody>
-      </p:sp>
-      <p:sp>
-        <p:nvSpPr>
-          <p:cNvPr id="12" name="Title 1">
-            <a:extLst>
-              <a:ext uri="{FF2B5EF4-FFF2-40B4-BE49-F238E27FC236}">
-                <a16:creationId xmlns:a16="http://schemas.microsoft.com/office/drawing/2014/main" id="{70C9DA38-3750-A7E9-F5E0-6BE8DD6EB085}"/>
-              </a:ext>
-            </a:extLst>
-          </p:cNvPr>
-          <p:cNvSpPr txBox="1">
-            <a:spLocks/>
-          </p:cNvSpPr>
-          <p:nvPr/>
-        </p:nvSpPr>
-        <p:spPr>
-          <a:xfrm>
-            <a:off x="694510" y="1487272"/>
-            <a:ext cx="2743200" cy="2743200"/>
-          </a:xfrm>
-          <a:prstGeom prst="ellipse">
-            <a:avLst/>
-          </a:prstGeom>
-          <a:solidFill>
-            <a:srgbClr val="262626"/>
-          </a:solidFill>
-          <a:ln w="174625" cmpd="thinThick">
-            <a:solidFill>
-              <a:srgbClr val="262626"/>
-            </a:solidFill>
-          </a:ln>
-        </p:spPr>
-        <p:txBody>
-          <a:bodyPr vert="horz" lIns="91440" tIns="45720" rIns="91440" bIns="45720" rtlCol="0" anchor="ctr">
-            <a:normAutofit/>
-          </a:bodyPr>
-          <a:lstStyle>
-            <a:lvl1pPr algn="l" defTabSz="914400" rtl="0" eaLnBrk="1" latinLnBrk="0" hangingPunct="1">
-              <a:lnSpc>
-                <a:spcPct val="90000"/>
-              </a:lnSpc>
-              <a:spcBef>
-                <a:spcPct val="0"/>
-              </a:spcBef>
-              <a:buNone/>
-              <a:defRPr sz="4400" kern="1200">
-                <a:solidFill>
-                  <a:schemeClr val="tx1"/>
-                </a:solidFill>
-                <a:latin typeface="+mj-lt"/>
-                <a:ea typeface="+mj-ea"/>
-                <a:cs typeface="+mj-cs"/>
-              </a:defRPr>
-            </a:lvl1pPr>
-          </a:lstStyle>
-          <a:p>
-            <a:pPr algn="ctr">
-              <a:spcAft>
-                <a:spcPts val="1000"/>
-              </a:spcAft>
-            </a:pPr>
-            <a:r>
-              <a:rPr lang="en-HK" sz="2800" dirty="0">
-                <a:solidFill>
-                  <a:schemeClr val="bg1"/>
-                </a:solidFill>
-                <a:latin typeface="Calibri" panose="020F0502020204030204" pitchFamily="34" charset="0"/>
-                <a:ea typeface="Calibri" panose="020F0502020204030204" pitchFamily="34" charset="0"/>
-              </a:rPr>
-              <a:t>Limitations/Challenges</a:t>
-            </a:r>
-            <a:endParaRPr lang="en-HK" sz="2800" dirty="0">
-              <a:solidFill>
-                <a:schemeClr val="bg1"/>
-              </a:solidFill>
-              <a:latin typeface="Calibri" panose="020F0502020204030204" pitchFamily="34" charset="0"/>
-              <a:ea typeface="Calibri" panose="020F0502020204030204" pitchFamily="34" charset="0"/>
-              <a:cs typeface="Times New Roman" panose="02020603050405020304" pitchFamily="18" charset="0"/>
-            </a:endParaRPr>
-          </a:p>
-        </p:txBody>
-      </p:sp>
-      <p:sp>
-        <p:nvSpPr>
-          <p:cNvPr id="4" name="TextBox 3">
-            <a:extLst>
-              <a:ext uri="{FF2B5EF4-FFF2-40B4-BE49-F238E27FC236}">
-                <a16:creationId xmlns:a16="http://schemas.microsoft.com/office/drawing/2014/main" id="{E25D4936-9EDD-7092-D06E-887C2E501992}"/>
-              </a:ext>
-            </a:extLst>
-          </p:cNvPr>
-          <p:cNvSpPr txBox="1"/>
-          <p:nvPr/>
-        </p:nvSpPr>
-        <p:spPr>
-          <a:xfrm>
-            <a:off x="4459736" y="2351782"/>
-            <a:ext cx="6706011" cy="2462213"/>
-          </a:xfrm>
-          <a:prstGeom prst="rect">
-            <a:avLst/>
-          </a:prstGeom>
-          <a:noFill/>
-        </p:spPr>
-        <p:txBody>
-          <a:bodyPr wrap="square" rtlCol="0">
-            <a:spAutoFit/>
-          </a:bodyPr>
-          <a:lstStyle/>
-          <a:p>
-            <a:pPr marL="285750" indent="-285750">
-              <a:buFont typeface="Arial" panose="020B0604020202020204" pitchFamily="34" charset="0"/>
-              <a:buChar char="•"/>
-            </a:pPr>
-            <a:r>
-              <a:rPr lang="en-HK" sz="2000" dirty="0"/>
-              <a:t>Crashes/Algorithm running time</a:t>
-            </a:r>
-            <a:br>
-              <a:rPr lang="en-HK" sz="2000" dirty="0"/>
-            </a:br>
-            <a:endParaRPr lang="en-HK" sz="2000" dirty="0"/>
-          </a:p>
-          <a:p>
-            <a:pPr marL="285750" indent="-285750">
-              <a:buFont typeface="Arial" panose="020B0604020202020204" pitchFamily="34" charset="0"/>
-              <a:buChar char="•"/>
-            </a:pPr>
-            <a:r>
-              <a:rPr lang="en-HK" sz="2000" b="1" dirty="0">
-                <a:latin typeface="Calibri Light" panose="020F0302020204030204" pitchFamily="34" charset="0"/>
-                <a:ea typeface="DengXian Light" panose="02010600030101010101" pitchFamily="2" charset="-122"/>
-                <a:cs typeface="Calibri Light" panose="020F0302020204030204" pitchFamily="34" charset="0"/>
-              </a:rPr>
-              <a:t>Need to learn machine learning from </a:t>
-            </a:r>
-            <a:r>
-              <a:rPr lang="en-HK" sz="2000" b="1" dirty="0" err="1">
-                <a:latin typeface="Calibri Light" panose="020F0302020204030204" pitchFamily="34" charset="0"/>
-                <a:ea typeface="DengXian Light" panose="02010600030101010101" pitchFamily="2" charset="-122"/>
-                <a:cs typeface="Calibri Light" panose="020F0302020204030204" pitchFamily="34" charset="0"/>
-              </a:rPr>
-              <a:t>scatch</a:t>
-            </a:r>
-            <a:endParaRPr lang="en-HK" sz="2000" b="1" dirty="0">
-              <a:effectLst/>
-              <a:latin typeface="Calibri Light" panose="020F0302020204030204" pitchFamily="34" charset="0"/>
-              <a:ea typeface="DengXian Light" panose="02010600030101010101" pitchFamily="2" charset="-122"/>
-              <a:cs typeface="Calibri Light" panose="020F0302020204030204" pitchFamily="34" charset="0"/>
-            </a:endParaRPr>
-          </a:p>
-          <a:p>
-            <a:pPr marL="285750" indent="-285750">
-              <a:buFont typeface="Arial" panose="020B0604020202020204" pitchFamily="34" charset="0"/>
-              <a:buChar char="•"/>
-            </a:pPr>
-            <a:endParaRPr lang="en-HK" sz="2000" b="1" dirty="0">
-              <a:latin typeface="Calibri Light" panose="020F0302020204030204" pitchFamily="34" charset="0"/>
-              <a:ea typeface="DengXian Light" panose="02010600030101010101" pitchFamily="2" charset="-122"/>
-              <a:cs typeface="Calibri Light" panose="020F0302020204030204" pitchFamily="34" charset="0"/>
-            </a:endParaRPr>
-          </a:p>
-          <a:p>
-            <a:pPr marL="285750" indent="-285750">
-              <a:buFont typeface="Arial" panose="020B0604020202020204" pitchFamily="34" charset="0"/>
-              <a:buChar char="•"/>
-            </a:pPr>
-            <a:r>
-              <a:rPr lang="en-HK" sz="2000" b="1" dirty="0">
-                <a:effectLst/>
-                <a:latin typeface="Calibri Light" panose="020F0302020204030204" pitchFamily="34" charset="0"/>
-                <a:ea typeface="DengXian Light" panose="02010600030101010101" pitchFamily="2" charset="-122"/>
-                <a:cs typeface="Calibri Light" panose="020F0302020204030204" pitchFamily="34" charset="0"/>
-              </a:rPr>
-              <a:t>Huge communication problem and rushed a lot in the end</a:t>
-            </a:r>
-            <a:endParaRPr lang="en-HK" sz="2000" b="1" dirty="0">
-              <a:effectLst/>
-              <a:latin typeface="Calibri Light" panose="020F0302020204030204" pitchFamily="34" charset="0"/>
-              <a:ea typeface="DengXian Light" panose="02010600030101010101" pitchFamily="2" charset="-122"/>
-              <a:cs typeface="Times New Roman" panose="02020603050405020304" pitchFamily="18" charset="0"/>
-            </a:endParaRPr>
-          </a:p>
-          <a:p>
-            <a:pPr marL="285750" indent="-285750">
-              <a:buFont typeface="Arial" panose="020B0604020202020204" pitchFamily="34" charset="0"/>
-              <a:buChar char="•"/>
-            </a:pPr>
-            <a:endParaRPr lang="en-HK" dirty="0"/>
-          </a:p>
-          <a:p>
-            <a:pPr marL="285750" indent="-285750">
-              <a:buFont typeface="Arial" panose="020B0604020202020204" pitchFamily="34" charset="0"/>
-              <a:buChar char="•"/>
-            </a:pPr>
-            <a:endParaRPr lang="en-HK" dirty="0"/>
-          </a:p>
-          <a:p>
-            <a:pPr marL="285750" indent="-285750" algn="ctr">
-              <a:buFont typeface="Arial" panose="020B0604020202020204" pitchFamily="34" charset="0"/>
-              <a:buChar char="•"/>
-            </a:pPr>
-            <a:endParaRPr lang="en-HK" dirty="0"/>
-          </a:p>
-        </p:txBody>
-      </p:sp>
-    </p:spTree>
-    <p:extLst>
-      <p:ext uri="{BB962C8B-B14F-4D97-AF65-F5344CB8AC3E}">
-        <p14:creationId xmlns:p14="http://schemas.microsoft.com/office/powerpoint/2010/main" val="3710932181"/>
-      </p:ext>
-    </p:extLst>
-  </p:cSld>
-  <p:clrMapOvr>
-    <a:masterClrMapping/>
-  </p:clrMapOvr>
-</p:sld>
-</file>
-
 <file path=ppt/slides/slide2.xml><?xml version="1.0" encoding="utf-8"?>
 <p:sld xmlns:a="http://schemas.openxmlformats.org/drawingml/2006/main" xmlns:r="http://schemas.openxmlformats.org/officeDocument/2006/relationships" xmlns:p="http://schemas.openxmlformats.org/presentationml/2006/main">
   <p:cSld>
@@ -6218,10 +6194,10 @@
       </p:sp>
       <p:pic>
         <p:nvPicPr>
-          <p:cNvPr id="5" name="Picture 4" descr="Chart, bubble chart&#10;&#10;Description automatically generated">
-            <a:extLst>
-              <a:ext uri="{FF2B5EF4-FFF2-40B4-BE49-F238E27FC236}">
-                <a16:creationId xmlns:a16="http://schemas.microsoft.com/office/drawing/2014/main" id="{C446E9AE-C558-5EA2-365B-E3604B9E719A}"/>
+          <p:cNvPr id="42" name="Picture 41" descr="Chart, scatter chart&#10;&#10;Description automatically generated">
+            <a:extLst>
+              <a:ext uri="{FF2B5EF4-FFF2-40B4-BE49-F238E27FC236}">
+                <a16:creationId xmlns:a16="http://schemas.microsoft.com/office/drawing/2014/main" id="{ADD641B9-A806-D1AF-58A7-9B91DE74A02F}"/>
               </a:ext>
             </a:extLst>
           </p:cNvPr>
@@ -6244,8 +6220,44 @@
         </p:blipFill>
         <p:spPr>
           <a:xfrm>
-            <a:off x="4033514" y="961279"/>
-            <a:ext cx="6954668" cy="5216001"/>
+            <a:off x="4025677" y="3395166"/>
+            <a:ext cx="6531686" cy="3344088"/>
+          </a:xfrm>
+          <a:prstGeom prst="rect">
+            <a:avLst/>
+          </a:prstGeom>
+        </p:spPr>
+      </p:pic>
+      <p:pic>
+        <p:nvPicPr>
+          <p:cNvPr id="44" name="Picture 43" descr="Chart, scatter chart&#10;&#10;Description automatically generated">
+            <a:extLst>
+              <a:ext uri="{FF2B5EF4-FFF2-40B4-BE49-F238E27FC236}">
+                <a16:creationId xmlns:a16="http://schemas.microsoft.com/office/drawing/2014/main" id="{7DBD5508-201A-5AA1-4E5A-D7B41FFE00F1}"/>
+              </a:ext>
+            </a:extLst>
+          </p:cNvPr>
+          <p:cNvPicPr>
+            <a:picLocks noChangeAspect="1"/>
+          </p:cNvPicPr>
+          <p:nvPr/>
+        </p:nvPicPr>
+        <p:blipFill>
+          <a:blip r:embed="rId3">
+            <a:extLst>
+              <a:ext uri="{28A0092B-C50C-407E-A947-70E740481C1C}">
+                <a14:useLocalDpi xmlns:a14="http://schemas.microsoft.com/office/drawing/2010/main" val="0"/>
+              </a:ext>
+            </a:extLst>
+          </a:blip>
+          <a:stretch>
+            <a:fillRect/>
+          </a:stretch>
+        </p:blipFill>
+        <p:spPr>
+          <a:xfrm>
+            <a:off x="4025676" y="92417"/>
+            <a:ext cx="6531686" cy="3336583"/>
           </a:xfrm>
           <a:prstGeom prst="rect">
             <a:avLst/>
@@ -6458,10 +6470,10 @@
       </p:sp>
       <p:pic>
         <p:nvPicPr>
-          <p:cNvPr id="8" name="Picture 7" descr="Chart, histogram&#10;&#10;Description automatically generated">
-            <a:extLst>
-              <a:ext uri="{FF2B5EF4-FFF2-40B4-BE49-F238E27FC236}">
-                <a16:creationId xmlns:a16="http://schemas.microsoft.com/office/drawing/2014/main" id="{ADA745F0-84E7-B7EC-EF78-27E3AE4A9571}"/>
+          <p:cNvPr id="33" name="Picture 32" descr="Chart, box and whisker chart&#10;&#10;Description automatically generated">
+            <a:extLst>
+              <a:ext uri="{FF2B5EF4-FFF2-40B4-BE49-F238E27FC236}">
+                <a16:creationId xmlns:a16="http://schemas.microsoft.com/office/drawing/2014/main" id="{D9E27D9E-4893-2370-CF38-76CF92BCA5D1}"/>
               </a:ext>
             </a:extLst>
           </p:cNvPr>
@@ -6484,8 +6496,8 @@
         </p:blipFill>
         <p:spPr>
           <a:xfrm>
-            <a:off x="3661700" y="1806870"/>
-            <a:ext cx="4325679" cy="3244259"/>
+            <a:off x="3446227" y="3383768"/>
+            <a:ext cx="4322815" cy="3317791"/>
           </a:xfrm>
           <a:prstGeom prst="rect">
             <a:avLst/>
@@ -6494,10 +6506,10 @@
       </p:pic>
       <p:pic>
         <p:nvPicPr>
-          <p:cNvPr id="13" name="Picture 12" descr="Chart, box and whisker chart&#10;&#10;Description automatically generated">
-            <a:extLst>
-              <a:ext uri="{FF2B5EF4-FFF2-40B4-BE49-F238E27FC236}">
-                <a16:creationId xmlns:a16="http://schemas.microsoft.com/office/drawing/2014/main" id="{0D7A4D0B-E410-DA33-54B3-8FDEADBA1B7F}"/>
+          <p:cNvPr id="37" name="Picture 36" descr="Chart, scatter chart&#10;&#10;Description automatically generated">
+            <a:extLst>
+              <a:ext uri="{FF2B5EF4-FFF2-40B4-BE49-F238E27FC236}">
+                <a16:creationId xmlns:a16="http://schemas.microsoft.com/office/drawing/2014/main" id="{265E2126-CCF5-745E-8F61-7B0C518BEA60}"/>
               </a:ext>
             </a:extLst>
           </p:cNvPr>
@@ -6520,8 +6532,44 @@
         </p:blipFill>
         <p:spPr>
           <a:xfrm>
-            <a:off x="7780092" y="1806870"/>
-            <a:ext cx="4325679" cy="3244260"/>
+            <a:off x="7769042" y="3410109"/>
+            <a:ext cx="4322815" cy="3242111"/>
+          </a:xfrm>
+          <a:prstGeom prst="rect">
+            <a:avLst/>
+          </a:prstGeom>
+        </p:spPr>
+      </p:pic>
+      <p:pic>
+        <p:nvPicPr>
+          <p:cNvPr id="39" name="Picture 38" descr="Chart, histogram&#10;&#10;Description automatically generated">
+            <a:extLst>
+              <a:ext uri="{FF2B5EF4-FFF2-40B4-BE49-F238E27FC236}">
+                <a16:creationId xmlns:a16="http://schemas.microsoft.com/office/drawing/2014/main" id="{E60E919C-8BA7-6948-30BE-8AF376FF2FF9}"/>
+              </a:ext>
+            </a:extLst>
+          </p:cNvPr>
+          <p:cNvPicPr>
+            <a:picLocks noChangeAspect="1"/>
+          </p:cNvPicPr>
+          <p:nvPr/>
+        </p:nvPicPr>
+        <p:blipFill>
+          <a:blip r:embed="rId4">
+            <a:extLst>
+              <a:ext uri="{28A0092B-C50C-407E-A947-70E740481C1C}">
+                <a14:useLocalDpi xmlns:a14="http://schemas.microsoft.com/office/drawing/2010/main" val="0"/>
+              </a:ext>
+            </a:extLst>
+          </a:blip>
+          <a:stretch>
+            <a:fillRect/>
+          </a:stretch>
+        </p:blipFill>
+        <p:spPr>
+          <a:xfrm>
+            <a:off x="5325046" y="59393"/>
+            <a:ext cx="4870958" cy="3369607"/>
           </a:xfrm>
           <a:prstGeom prst="rect">
             <a:avLst/>
@@ -6725,53 +6773,140 @@
                 </a:solidFill>
                 <a:latin typeface="Calibri" panose="020F0502020204030204" pitchFamily="34" charset="0"/>
                 <a:ea typeface="Calibri" panose="020F0502020204030204" pitchFamily="34" charset="0"/>
-                <a:cs typeface="Times New Roman" panose="02020603050405020304" pitchFamily="18" charset="0"/>
               </a:rPr>
-              <a:t>Future-exploration</a:t>
-            </a:r>
-          </a:p>
-        </p:txBody>
-      </p:sp>
-      <p:pic>
-        <p:nvPicPr>
-          <p:cNvPr id="4" name="Picture 3" descr="Calendar&#10;&#10;Description automatically generated">
-            <a:extLst>
-              <a:ext uri="{FF2B5EF4-FFF2-40B4-BE49-F238E27FC236}">
-                <a16:creationId xmlns:a16="http://schemas.microsoft.com/office/drawing/2014/main" id="{BD5A6115-7DD1-B7E1-A8BB-A40F94E23E71}"/>
-              </a:ext>
-            </a:extLst>
-          </p:cNvPr>
-          <p:cNvPicPr>
-            <a:picLocks noChangeAspect="1"/>
-          </p:cNvPicPr>
+              <a:t>Limitations/Challenges</a:t>
+            </a:r>
+            <a:endParaRPr lang="en-HK" sz="2800" dirty="0">
+              <a:solidFill>
+                <a:schemeClr val="bg1"/>
+              </a:solidFill>
+              <a:latin typeface="Calibri" panose="020F0502020204030204" pitchFamily="34" charset="0"/>
+              <a:ea typeface="Calibri" panose="020F0502020204030204" pitchFamily="34" charset="0"/>
+              <a:cs typeface="Times New Roman" panose="02020603050405020304" pitchFamily="18" charset="0"/>
+            </a:endParaRPr>
+          </a:p>
+        </p:txBody>
+      </p:sp>
+      <p:sp>
+        <p:nvSpPr>
+          <p:cNvPr id="4" name="TextBox 3">
+            <a:extLst>
+              <a:ext uri="{FF2B5EF4-FFF2-40B4-BE49-F238E27FC236}">
+                <a16:creationId xmlns:a16="http://schemas.microsoft.com/office/drawing/2014/main" id="{E25D4936-9EDD-7092-D06E-887C2E501992}"/>
+              </a:ext>
+            </a:extLst>
+          </p:cNvPr>
+          <p:cNvSpPr txBox="1"/>
           <p:nvPr/>
-        </p:nvPicPr>
-        <p:blipFill>
-          <a:blip r:embed="rId2">
-            <a:extLst>
-              <a:ext uri="{28A0092B-C50C-407E-A947-70E740481C1C}">
-                <a14:useLocalDpi xmlns:a14="http://schemas.microsoft.com/office/drawing/2010/main" val="0"/>
-              </a:ext>
-            </a:extLst>
-          </a:blip>
-          <a:stretch>
-            <a:fillRect/>
-          </a:stretch>
-        </p:blipFill>
+        </p:nvSpPr>
         <p:spPr>
           <a:xfrm>
-            <a:off x="3598141" y="1026366"/>
-            <a:ext cx="8474436" cy="4338735"/>
+            <a:off x="4459736" y="2351782"/>
+            <a:ext cx="6706011" cy="2462213"/>
           </a:xfrm>
           <a:prstGeom prst="rect">
             <a:avLst/>
           </a:prstGeom>
+          <a:noFill/>
         </p:spPr>
-      </p:pic>
+        <p:txBody>
+          <a:bodyPr wrap="square" rtlCol="0">
+            <a:spAutoFit/>
+          </a:bodyPr>
+          <a:lstStyle/>
+          <a:p>
+            <a:pPr marL="285750" indent="-285750">
+              <a:buFont typeface="Arial" panose="020B0604020202020204" pitchFamily="34" charset="0"/>
+              <a:buChar char="•"/>
+            </a:pPr>
+            <a:r>
+              <a:rPr lang="en-HK" sz="2000" dirty="0"/>
+              <a:t>Crashes/Algorithm running time</a:t>
+            </a:r>
+            <a:br>
+              <a:rPr lang="en-HK" sz="2000" dirty="0"/>
+            </a:br>
+            <a:endParaRPr lang="en-HK" sz="2000" dirty="0"/>
+          </a:p>
+          <a:p>
+            <a:pPr marL="285750" indent="-285750">
+              <a:buFont typeface="Arial" panose="020B0604020202020204" pitchFamily="34" charset="0"/>
+              <a:buChar char="•"/>
+            </a:pPr>
+            <a:r>
+              <a:rPr lang="en-HK" sz="2000" b="1" dirty="0">
+                <a:latin typeface="Calibri Light" panose="020F0302020204030204" pitchFamily="34" charset="0"/>
+                <a:ea typeface="DengXian Light" panose="02010600030101010101" pitchFamily="2" charset="-122"/>
+                <a:cs typeface="Calibri Light" panose="020F0302020204030204" pitchFamily="34" charset="0"/>
+              </a:rPr>
+              <a:t>Need to learn machine learning from scratch</a:t>
+            </a:r>
+            <a:endParaRPr lang="en-HK" sz="2000" b="1" dirty="0">
+              <a:effectLst/>
+              <a:latin typeface="Calibri Light" panose="020F0302020204030204" pitchFamily="34" charset="0"/>
+              <a:ea typeface="DengXian Light" panose="02010600030101010101" pitchFamily="2" charset="-122"/>
+              <a:cs typeface="Calibri Light" panose="020F0302020204030204" pitchFamily="34" charset="0"/>
+            </a:endParaRPr>
+          </a:p>
+          <a:p>
+            <a:pPr marL="285750" indent="-285750">
+              <a:buFont typeface="Arial" panose="020B0604020202020204" pitchFamily="34" charset="0"/>
+              <a:buChar char="•"/>
+            </a:pPr>
+            <a:endParaRPr lang="en-HK" sz="2000" b="1" dirty="0">
+              <a:latin typeface="Calibri Light" panose="020F0302020204030204" pitchFamily="34" charset="0"/>
+              <a:ea typeface="DengXian Light" panose="02010600030101010101" pitchFamily="2" charset="-122"/>
+              <a:cs typeface="Calibri Light" panose="020F0302020204030204" pitchFamily="34" charset="0"/>
+            </a:endParaRPr>
+          </a:p>
+          <a:p>
+            <a:pPr marL="285750" indent="-285750">
+              <a:buFont typeface="Arial" panose="020B0604020202020204" pitchFamily="34" charset="0"/>
+              <a:buChar char="•"/>
+            </a:pPr>
+            <a:r>
+              <a:rPr lang="en-HK" sz="2000" b="1" dirty="0">
+                <a:effectLst/>
+                <a:latin typeface="Calibri Light" panose="020F0302020204030204" pitchFamily="34" charset="0"/>
+                <a:ea typeface="DengXian Light" panose="02010600030101010101" pitchFamily="2" charset="-122"/>
+                <a:cs typeface="Calibri Light" panose="020F0302020204030204" pitchFamily="34" charset="0"/>
+              </a:rPr>
+              <a:t>Huge communication problem and rushed a lot in the end</a:t>
+            </a:r>
+            <a:endParaRPr lang="en-HK" sz="2000" b="1" dirty="0">
+              <a:effectLst/>
+              <a:latin typeface="Calibri Light" panose="020F0302020204030204" pitchFamily="34" charset="0"/>
+              <a:ea typeface="DengXian Light" panose="02010600030101010101" pitchFamily="2" charset="-122"/>
+              <a:cs typeface="Times New Roman" panose="02020603050405020304" pitchFamily="18" charset="0"/>
+            </a:endParaRPr>
+          </a:p>
+          <a:p>
+            <a:pPr marL="285750" indent="-285750">
+              <a:buFont typeface="Arial" panose="020B0604020202020204" pitchFamily="34" charset="0"/>
+              <a:buChar char="•"/>
+            </a:pPr>
+            <a:endParaRPr lang="en-HK" dirty="0"/>
+          </a:p>
+          <a:p>
+            <a:pPr marL="285750" indent="-285750">
+              <a:buFont typeface="Arial" panose="020B0604020202020204" pitchFamily="34" charset="0"/>
+              <a:buChar char="•"/>
+            </a:pPr>
+            <a:endParaRPr lang="en-HK" dirty="0"/>
+          </a:p>
+          <a:p>
+            <a:pPr marL="285750" indent="-285750" algn="ctr">
+              <a:buFont typeface="Arial" panose="020B0604020202020204" pitchFamily="34" charset="0"/>
+              <a:buChar char="•"/>
+            </a:pPr>
+            <a:endParaRPr lang="en-HK" dirty="0"/>
+          </a:p>
+        </p:txBody>
+      </p:sp>
     </p:spTree>
     <p:extLst>
       <p:ext uri="{BB962C8B-B14F-4D97-AF65-F5344CB8AC3E}">
-        <p14:creationId xmlns:p14="http://schemas.microsoft.com/office/powerpoint/2010/main" val="3647046462"/>
+        <p14:creationId xmlns:p14="http://schemas.microsoft.com/office/powerpoint/2010/main" val="3710932181"/>
       </p:ext>
     </p:extLst>
   </p:cSld>
